--- a/QCEmulator.pptx
+++ b/QCEmulator.pptx
@@ -3822,52 +3822,52 @@
               <a:buAutoNum type="arabicPeriod"/>
             </a:pPr>
             <a:r>
-              <a:rPr lang="en-US" sz="700" dirty="0" err="1"/>
+              <a:rPr lang="en-US" sz="550" dirty="0" err="1"/>
               <a:t>Pilch</a:t>
             </a:r>
             <a:r>
-              <a:rPr lang="en-US" sz="700" dirty="0"/>
+              <a:rPr lang="en-US" sz="550" dirty="0"/>
               <a:t>, J., </a:t>
             </a:r>
             <a:r>
-              <a:rPr lang="en-US" sz="700" dirty="0" err="1"/>
+              <a:rPr lang="en-US" sz="550" dirty="0" err="1"/>
               <a:t>Długopolski</a:t>
             </a:r>
             <a:r>
-              <a:rPr lang="en-US" sz="700" dirty="0"/>
+              <a:rPr lang="en-US" sz="550" dirty="0"/>
               <a:t>, J. An FPGA-based real quantum computer emulator. </a:t>
             </a:r>
             <a:r>
-              <a:rPr lang="en-US" sz="700" i="1" dirty="0"/>
+              <a:rPr lang="en-US" sz="550" i="1" dirty="0"/>
               <a:t>J </a:t>
             </a:r>
             <a:r>
-              <a:rPr lang="en-US" sz="700" i="1" dirty="0" err="1"/>
+              <a:rPr lang="en-US" sz="550" i="1" dirty="0" err="1"/>
               <a:t>Comput</a:t>
             </a:r>
             <a:r>
-              <a:rPr lang="en-US" sz="700" i="1" dirty="0"/>
+              <a:rPr lang="en-US" sz="550" i="1" dirty="0"/>
               <a:t> Electron</a:t>
             </a:r>
             <a:r>
-              <a:rPr lang="en-US" sz="700" dirty="0"/>
+              <a:rPr lang="en-US" sz="550" dirty="0"/>
               <a:t> </a:t>
             </a:r>
             <a:r>
-              <a:rPr lang="en-US" sz="700" b="1" dirty="0"/>
+              <a:rPr lang="en-US" sz="550" b="1" dirty="0"/>
               <a:t>18, </a:t>
             </a:r>
             <a:r>
-              <a:rPr lang="en-US" sz="700" dirty="0"/>
+              <a:rPr lang="en-US" sz="550" dirty="0"/>
               <a:t>329–342 (2019). </a:t>
             </a:r>
             <a:r>
-              <a:rPr lang="en-US" sz="700" dirty="0">
+              <a:rPr lang="en-US" sz="550" dirty="0">
                 <a:hlinkClick r:id="rId3"/>
               </a:rPr>
               <a:t>https://doi.org/10.1007/s10825-018-1287-5</a:t>
             </a:r>
-            <a:endParaRPr lang="en-US" sz="700" dirty="0"/>
+            <a:endParaRPr lang="en-US" sz="550" dirty="0"/>
           </a:p>
           <a:p>
             <a:pPr marL="218647" indent="-218647" defTabSz="1030163">
@@ -3881,15 +3881,15 @@
               <a:buAutoNum type="arabicPeriod"/>
             </a:pPr>
             <a:r>
-              <a:rPr lang="en-US" sz="700" dirty="0"/>
+              <a:rPr lang="en-US" sz="550" dirty="0"/>
               <a:t>Wick, K. (2017). </a:t>
             </a:r>
             <a:r>
-              <a:rPr lang="en-US" sz="700" i="1" dirty="0"/>
+              <a:rPr lang="en-US" sz="550" i="1" dirty="0"/>
               <a:t>Applied Digital Logic Exercises Using FPGAs</a:t>
             </a:r>
             <a:r>
-              <a:rPr lang="en-US" sz="700" dirty="0"/>
+              <a:rPr lang="en-US" sz="550" dirty="0"/>
               <a:t>. San Rafael (40 Oak Drive, San Rafael, CA, 94903, USA): Morgan &amp; Claypool Publishers.</a:t>
             </a:r>
           </a:p>
@@ -3901,9 +3901,71 @@
               <a:spcBef>
                 <a:spcPct val="20000"/>
               </a:spcBef>
+              <a:buFontTx/>
               <a:buAutoNum type="arabicPeriod"/>
             </a:pPr>
-            <a:endParaRPr lang="en-US" sz="700" dirty="0"/>
+            <a:r>
+              <a:rPr lang="en-US" sz="550" dirty="0"/>
+              <a:t>J. R. Johansson, P. D. Nation, and F. Nori: "</a:t>
+            </a:r>
+            <a:r>
+              <a:rPr lang="en-US" sz="550" dirty="0" err="1"/>
+              <a:t>QuTiP</a:t>
+            </a:r>
+            <a:r>
+              <a:rPr lang="en-US" sz="550" dirty="0"/>
+              <a:t>: An open-source Python framework for the dynamics of open quantum systems.", Comp. Phys. Comm. </a:t>
+            </a:r>
+            <a:r>
+              <a:rPr lang="en-US" sz="550" b="1" dirty="0"/>
+              <a:t>183</a:t>
+            </a:r>
+            <a:r>
+              <a:rPr lang="en-US" sz="550" dirty="0"/>
+              <a:t>, 1760–1772 (2012) [DOI: </a:t>
+            </a:r>
+            <a:r>
+              <a:rPr lang="en-US" sz="550" dirty="0">
+                <a:hlinkClick r:id="rId4"/>
+              </a:rPr>
+              <a:t>10.1016/j.cpc.2012.02.021</a:t>
+            </a:r>
+            <a:r>
+              <a:rPr lang="en-US" sz="550" dirty="0"/>
+              <a:t>].</a:t>
+            </a:r>
+          </a:p>
+          <a:p>
+            <a:pPr marL="218647" indent="-218647" defTabSz="1030163">
+              <a:lnSpc>
+                <a:spcPct val="90000"/>
+              </a:lnSpc>
+              <a:spcBef>
+                <a:spcPct val="20000"/>
+              </a:spcBef>
+              <a:buFontTx/>
+              <a:buAutoNum type="arabicPeriod"/>
+            </a:pPr>
+            <a:r>
+              <a:rPr lang="en-US" sz="550" dirty="0">
+                <a:hlinkClick r:id="rId5"/>
+              </a:rPr>
+              <a:t>https://github.com/freecores/verilog_fixed_point_math_library</a:t>
+            </a:r>
+            <a:endParaRPr lang="en-US" sz="550" dirty="0"/>
+          </a:p>
+          <a:p>
+            <a:pPr marL="218647" indent="-218647" defTabSz="1030163">
+              <a:lnSpc>
+                <a:spcPct val="90000"/>
+              </a:lnSpc>
+              <a:spcBef>
+                <a:spcPct val="20000"/>
+              </a:spcBef>
+              <a:buFontTx/>
+              <a:buAutoNum type="arabicPeriod"/>
+            </a:pPr>
+            <a:endParaRPr lang="en-US" sz="500" dirty="0"/>
           </a:p>
         </p:txBody>
       </p:sp>
@@ -4286,7 +4348,7 @@
           <p:nvPr/>
         </p:nvPicPr>
         <p:blipFill>
-          <a:blip r:embed="rId4" cstate="print">
+          <a:blip r:embed="rId6" cstate="print">
             <a:extLst>
               <a:ext uri="{28A0092B-C50C-407E-A947-70E740481C1C}">
                 <a14:useLocalDpi xmlns:a14="http://schemas.microsoft.com/office/drawing/2010/main" val="0"/>
@@ -4333,7 +4395,7 @@
           <p:nvPr/>
         </p:nvPicPr>
         <p:blipFill>
-          <a:blip r:embed="rId5"/>
+          <a:blip r:embed="rId7"/>
           <a:stretch>
             <a:fillRect/>
           </a:stretch>
@@ -4462,7 +4524,7 @@
           <p:nvPr/>
         </p:nvPicPr>
         <p:blipFill>
-          <a:blip r:embed="rId6">
+          <a:blip r:embed="rId8">
             <a:extLst>
               <a:ext uri="{28A0092B-C50C-407E-A947-70E740481C1C}">
                 <a14:useLocalDpi xmlns:a14="http://schemas.microsoft.com/office/drawing/2010/main" val="0"/>
@@ -4498,7 +4560,7 @@
           <p:nvPr/>
         </p:nvPicPr>
         <p:blipFill>
-          <a:blip r:embed="rId7">
+          <a:blip r:embed="rId9">
             <a:extLst>
               <a:ext uri="{28A0092B-C50C-407E-A947-70E740481C1C}">
                 <a14:useLocalDpi xmlns:a14="http://schemas.microsoft.com/office/drawing/2010/main" val="0"/>
@@ -4591,7 +4653,7 @@
           <p:nvPr/>
         </p:nvPicPr>
         <p:blipFill>
-          <a:blip r:embed="rId8">
+          <a:blip r:embed="rId10">
             <a:extLst>
               <a:ext uri="{28A0092B-C50C-407E-A947-70E740481C1C}">
                 <a14:useLocalDpi xmlns:a14="http://schemas.microsoft.com/office/drawing/2010/main" val="0"/>
@@ -4736,7 +4798,7 @@
           <p:nvPr/>
         </p:nvPicPr>
         <p:blipFill>
-          <a:blip r:embed="rId9">
+          <a:blip r:embed="rId11">
             <a:extLst>
               <a:ext uri="{28A0092B-C50C-407E-A947-70E740481C1C}">
                 <a14:useLocalDpi xmlns:a14="http://schemas.microsoft.com/office/drawing/2010/main" val="0"/>
@@ -4783,7 +4845,7 @@
           <p:nvPr/>
         </p:nvPicPr>
         <p:blipFill>
-          <a:blip r:embed="rId10">
+          <a:blip r:embed="rId12">
             <a:extLst>
               <a:ext uri="{28A0092B-C50C-407E-A947-70E740481C1C}">
                 <a14:useLocalDpi xmlns:a14="http://schemas.microsoft.com/office/drawing/2010/main" val="0"/>
@@ -4992,7 +5054,7 @@
           <a:p>
             <a:r>
               <a:rPr lang="en-US" sz="300" dirty="0">
-                <a:hlinkClick r:id="rId11"/>
+                <a:hlinkClick r:id="rId13"/>
               </a:rPr>
               <a:t>https://commons.wikimedia.org/wiki/File:Simple_qubits.svg</a:t>
             </a:r>
@@ -5042,7 +5104,7 @@
             </a:r>
             <a:r>
               <a:rPr lang="en-US" sz="300" dirty="0">
-                <a:hlinkClick r:id="rId12"/>
+                <a:hlinkClick r:id="rId14"/>
               </a:rPr>
               <a:t>https://commons.wikimedia.org/wiki/File:Deutsch-Jozsa_Algorithm.svg</a:t>
             </a:r>
@@ -5094,7 +5156,7 @@
           <a:p>
             <a:r>
               <a:rPr lang="en-US" sz="300" dirty="0">
-                <a:hlinkClick r:id="rId13"/>
+                <a:hlinkClick r:id="rId15"/>
               </a:rPr>
               <a:t>https://commons.wikimedia.org/wiki/File:Aparelho_de_Stern-Gerlach.png</a:t>
             </a:r>
